--- a/pics/2020-10-10-autoencoder/pics.pptx
+++ b/pics/2020-10-10-autoencoder/pics.pptx
@@ -3093,7 +3093,7 @@
             <a:lstStyle/>
             <a:p>
               <a:pPr algn="ctr"/>
-              <a:endParaRPr lang="ko-KR" altLang="en-US"/>
+              <a:endParaRPr lang="ko-KR" altLang="en-US" sz="3600" b="1" dirty="0"/>
             </a:p>
           </p:txBody>
         </p:sp>
@@ -3141,7 +3141,7 @@
             <a:lstStyle/>
             <a:p>
               <a:pPr algn="ctr"/>
-              <a:endParaRPr lang="ko-KR" altLang="en-US"/>
+              <a:endParaRPr lang="ko-KR" altLang="en-US" dirty="0"/>
             </a:p>
           </p:txBody>
         </p:sp>
@@ -3471,6 +3471,70 @@
           </p:txBody>
         </p:sp>
       </p:grpSp>
+      <p:sp>
+        <p:nvSpPr>
+          <p:cNvPr id="2" name="직사각형 1"/>
+          <p:cNvSpPr/>
+          <p:nvPr/>
+        </p:nvSpPr>
+        <p:spPr>
+          <a:xfrm>
+            <a:off x="4103513" y="1928223"/>
+            <a:ext cx="1569660" cy="646331"/>
+          </a:xfrm>
+          <a:prstGeom prst="rect">
+            <a:avLst/>
+          </a:prstGeom>
+        </p:spPr>
+        <p:txBody>
+          <a:bodyPr wrap="none">
+            <a:spAutoFit/>
+          </a:bodyPr>
+          <a:lstStyle/>
+          <a:p>
+            <a:pPr algn="ctr"/>
+            <a:r>
+              <a:rPr lang="ko-KR" altLang="en-US" sz="3600" b="1" dirty="0" smtClean="0"/>
+              <a:t>디코더</a:t>
+            </a:r>
+            <a:endParaRPr lang="ko-KR" altLang="en-US" sz="3600" b="1" dirty="0"/>
+          </a:p>
+        </p:txBody>
+      </p:sp>
+      <p:sp>
+        <p:nvSpPr>
+          <p:cNvPr id="23" name="직사각형 22"/>
+          <p:cNvSpPr/>
+          <p:nvPr/>
+        </p:nvSpPr>
+        <p:spPr>
+          <a:xfrm>
+            <a:off x="4103513" y="4283446"/>
+            <a:ext cx="1569661" cy="646331"/>
+          </a:xfrm>
+          <a:prstGeom prst="rect">
+            <a:avLst/>
+          </a:prstGeom>
+        </p:spPr>
+        <p:txBody>
+          <a:bodyPr wrap="none">
+            <a:spAutoFit/>
+          </a:bodyPr>
+          <a:lstStyle/>
+          <a:p>
+            <a:pPr algn="ctr"/>
+            <a:r>
+              <a:rPr lang="ko-KR" altLang="en-US" sz="3600" b="1" dirty="0"/>
+              <a:t>인</a:t>
+            </a:r>
+            <a:r>
+              <a:rPr lang="ko-KR" altLang="en-US" sz="3600" b="1" dirty="0" smtClean="0"/>
+              <a:t>코더</a:t>
+            </a:r>
+            <a:endParaRPr lang="ko-KR" altLang="en-US" sz="3600" b="1" dirty="0"/>
+          </a:p>
+        </p:txBody>
+      </p:sp>
     </p:spTree>
     <p:extLst>
       <p:ext uri="{BB962C8B-B14F-4D97-AF65-F5344CB8AC3E}">

--- a/pics/2020-10-10-autoencoder/pics.pptx
+++ b/pics/2020-10-10-autoencoder/pics.pptx
@@ -6,6 +6,7 @@
   </p:sldMasterIdLst>
   <p:sldIdLst>
     <p:sldId id="256" r:id="rId2"/>
+    <p:sldId id="257" r:id="rId3"/>
   </p:sldIdLst>
   <p:sldSz cx="9144000" cy="6858000" type="screen4x3"/>
   <p:notesSz cx="6858000" cy="9144000"/>
@@ -104,6 +105,22 @@
       </a:defRPr>
     </a:lvl9pPr>
   </p:defaultTextStyle>
+  <p:extLst>
+    <p:ext uri="{EFAFB233-063F-42B5-8137-9DF3F51BA10A}">
+      <p15:sldGuideLst xmlns:p15="http://schemas.microsoft.com/office/powerpoint/2012/main">
+        <p15:guide id="1" orient="horz" pos="2160">
+          <p15:clr>
+            <a:srgbClr val="A4A3A4"/>
+          </p15:clr>
+        </p15:guide>
+        <p15:guide id="2" pos="2880">
+          <p15:clr>
+            <a:srgbClr val="A4A3A4"/>
+          </p15:clr>
+        </p15:guide>
+      </p15:sldGuideLst>
+    </p:ext>
+  </p:extLst>
 </p:presentation>
 </file>
 
@@ -145,10 +162,9 @@
           <a:lstStyle/>
           <a:p>
             <a:r>
-              <a:rPr lang="ko-KR" altLang="en-US" smtClean="0"/>
+              <a:rPr lang="ko-KR" altLang="en-US"/>
               <a:t>마스터 제목 스타일 편집</a:t>
             </a:r>
-            <a:endParaRPr lang="ko-KR" altLang="en-US"/>
           </a:p>
         </p:txBody>
       </p:sp>
@@ -264,10 +280,9 @@
           </a:lstStyle>
           <a:p>
             <a:r>
-              <a:rPr lang="ko-KR" altLang="en-US" smtClean="0"/>
+              <a:rPr lang="ko-KR" altLang="en-US"/>
               <a:t>마스터 부제목 스타일 편집</a:t>
             </a:r>
-            <a:endParaRPr lang="ko-KR" altLang="en-US"/>
           </a:p>
         </p:txBody>
       </p:sp>
@@ -288,7 +303,7 @@
           <a:p>
             <a:fld id="{FB30EDBD-1C2D-4C1E-B459-B60219FAB484}" type="datetimeFigureOut">
               <a:rPr lang="ko-KR" altLang="en-US" smtClean="0"/>
-              <a:t>2020-10-21</a:t>
+              <a:t>2023-05-05</a:t>
             </a:fld>
             <a:endParaRPr lang="ko-KR" altLang="en-US"/>
           </a:p>
@@ -377,10 +392,9 @@
           <a:lstStyle/>
           <a:p>
             <a:r>
-              <a:rPr lang="ko-KR" altLang="en-US" smtClean="0"/>
+              <a:rPr lang="ko-KR" altLang="en-US"/>
               <a:t>마스터 제목 스타일 편집</a:t>
             </a:r>
-            <a:endParaRPr lang="ko-KR" altLang="en-US"/>
           </a:p>
         </p:txBody>
       </p:sp>
@@ -401,38 +415,37 @@
           <a:p>
             <a:pPr lvl="0"/>
             <a:r>
-              <a:rPr lang="ko-KR" altLang="en-US" smtClean="0"/>
+              <a:rPr lang="ko-KR" altLang="en-US"/>
               <a:t>마스터 텍스트 스타일을 편집합니다</a:t>
             </a:r>
           </a:p>
           <a:p>
             <a:pPr lvl="1"/>
             <a:r>
-              <a:rPr lang="ko-KR" altLang="en-US" smtClean="0"/>
+              <a:rPr lang="ko-KR" altLang="en-US"/>
               <a:t>둘째 수준</a:t>
             </a:r>
           </a:p>
           <a:p>
             <a:pPr lvl="2"/>
             <a:r>
-              <a:rPr lang="ko-KR" altLang="en-US" smtClean="0"/>
+              <a:rPr lang="ko-KR" altLang="en-US"/>
               <a:t>셋째 수준</a:t>
             </a:r>
           </a:p>
           <a:p>
             <a:pPr lvl="3"/>
             <a:r>
-              <a:rPr lang="ko-KR" altLang="en-US" smtClean="0"/>
+              <a:rPr lang="ko-KR" altLang="en-US"/>
               <a:t>넷째 수준</a:t>
             </a:r>
           </a:p>
           <a:p>
             <a:pPr lvl="4"/>
             <a:r>
-              <a:rPr lang="ko-KR" altLang="en-US" smtClean="0"/>
+              <a:rPr lang="ko-KR" altLang="en-US"/>
               <a:t>다섯째 수준</a:t>
             </a:r>
-            <a:endParaRPr lang="ko-KR" altLang="en-US"/>
           </a:p>
         </p:txBody>
       </p:sp>
@@ -453,7 +466,7 @@
           <a:p>
             <a:fld id="{FB30EDBD-1C2D-4C1E-B459-B60219FAB484}" type="datetimeFigureOut">
               <a:rPr lang="ko-KR" altLang="en-US" smtClean="0"/>
-              <a:t>2020-10-21</a:t>
+              <a:t>2023-05-05</a:t>
             </a:fld>
             <a:endParaRPr lang="ko-KR" altLang="en-US"/>
           </a:p>
@@ -547,10 +560,9 @@
           <a:lstStyle/>
           <a:p>
             <a:r>
-              <a:rPr lang="ko-KR" altLang="en-US" smtClean="0"/>
+              <a:rPr lang="ko-KR" altLang="en-US"/>
               <a:t>마스터 제목 스타일 편집</a:t>
             </a:r>
-            <a:endParaRPr lang="ko-KR" altLang="en-US"/>
           </a:p>
         </p:txBody>
       </p:sp>
@@ -576,38 +588,37 @@
           <a:p>
             <a:pPr lvl="0"/>
             <a:r>
-              <a:rPr lang="ko-KR" altLang="en-US" smtClean="0"/>
+              <a:rPr lang="ko-KR" altLang="en-US"/>
               <a:t>마스터 텍스트 스타일을 편집합니다</a:t>
             </a:r>
           </a:p>
           <a:p>
             <a:pPr lvl="1"/>
             <a:r>
-              <a:rPr lang="ko-KR" altLang="en-US" smtClean="0"/>
+              <a:rPr lang="ko-KR" altLang="en-US"/>
               <a:t>둘째 수준</a:t>
             </a:r>
           </a:p>
           <a:p>
             <a:pPr lvl="2"/>
             <a:r>
-              <a:rPr lang="ko-KR" altLang="en-US" smtClean="0"/>
+              <a:rPr lang="ko-KR" altLang="en-US"/>
               <a:t>셋째 수준</a:t>
             </a:r>
           </a:p>
           <a:p>
             <a:pPr lvl="3"/>
             <a:r>
-              <a:rPr lang="ko-KR" altLang="en-US" smtClean="0"/>
+              <a:rPr lang="ko-KR" altLang="en-US"/>
               <a:t>넷째 수준</a:t>
             </a:r>
           </a:p>
           <a:p>
             <a:pPr lvl="4"/>
             <a:r>
-              <a:rPr lang="ko-KR" altLang="en-US" smtClean="0"/>
+              <a:rPr lang="ko-KR" altLang="en-US"/>
               <a:t>다섯째 수준</a:t>
             </a:r>
-            <a:endParaRPr lang="ko-KR" altLang="en-US"/>
           </a:p>
         </p:txBody>
       </p:sp>
@@ -628,7 +639,7 @@
           <a:p>
             <a:fld id="{FB30EDBD-1C2D-4C1E-B459-B60219FAB484}" type="datetimeFigureOut">
               <a:rPr lang="ko-KR" altLang="en-US" smtClean="0"/>
-              <a:t>2020-10-21</a:t>
+              <a:t>2023-05-05</a:t>
             </a:fld>
             <a:endParaRPr lang="ko-KR" altLang="en-US"/>
           </a:p>
@@ -717,10 +728,9 @@
           <a:lstStyle/>
           <a:p>
             <a:r>
-              <a:rPr lang="ko-KR" altLang="en-US" smtClean="0"/>
+              <a:rPr lang="ko-KR" altLang="en-US"/>
               <a:t>마스터 제목 스타일 편집</a:t>
             </a:r>
-            <a:endParaRPr lang="ko-KR" altLang="en-US"/>
           </a:p>
         </p:txBody>
       </p:sp>
@@ -741,38 +751,37 @@
           <a:p>
             <a:pPr lvl="0"/>
             <a:r>
-              <a:rPr lang="ko-KR" altLang="en-US" smtClean="0"/>
+              <a:rPr lang="ko-KR" altLang="en-US"/>
               <a:t>마스터 텍스트 스타일을 편집합니다</a:t>
             </a:r>
           </a:p>
           <a:p>
             <a:pPr lvl="1"/>
             <a:r>
-              <a:rPr lang="ko-KR" altLang="en-US" smtClean="0"/>
+              <a:rPr lang="ko-KR" altLang="en-US"/>
               <a:t>둘째 수준</a:t>
             </a:r>
           </a:p>
           <a:p>
             <a:pPr lvl="2"/>
             <a:r>
-              <a:rPr lang="ko-KR" altLang="en-US" smtClean="0"/>
+              <a:rPr lang="ko-KR" altLang="en-US"/>
               <a:t>셋째 수준</a:t>
             </a:r>
           </a:p>
           <a:p>
             <a:pPr lvl="3"/>
             <a:r>
-              <a:rPr lang="ko-KR" altLang="en-US" smtClean="0"/>
+              <a:rPr lang="ko-KR" altLang="en-US"/>
               <a:t>넷째 수준</a:t>
             </a:r>
           </a:p>
           <a:p>
             <a:pPr lvl="4"/>
             <a:r>
-              <a:rPr lang="ko-KR" altLang="en-US" smtClean="0"/>
+              <a:rPr lang="ko-KR" altLang="en-US"/>
               <a:t>다섯째 수준</a:t>
             </a:r>
-            <a:endParaRPr lang="ko-KR" altLang="en-US"/>
           </a:p>
         </p:txBody>
       </p:sp>
@@ -793,7 +802,7 @@
           <a:p>
             <a:fld id="{FB30EDBD-1C2D-4C1E-B459-B60219FAB484}" type="datetimeFigureOut">
               <a:rPr lang="ko-KR" altLang="en-US" smtClean="0"/>
-              <a:t>2020-10-21</a:t>
+              <a:t>2023-05-05</a:t>
             </a:fld>
             <a:endParaRPr lang="ko-KR" altLang="en-US"/>
           </a:p>
@@ -891,10 +900,9 @@
           </a:lstStyle>
           <a:p>
             <a:r>
-              <a:rPr lang="ko-KR" altLang="en-US" smtClean="0"/>
+              <a:rPr lang="ko-KR" altLang="en-US"/>
               <a:t>마스터 제목 스타일 편집</a:t>
             </a:r>
-            <a:endParaRPr lang="ko-KR" altLang="en-US"/>
           </a:p>
         </p:txBody>
       </p:sp>
@@ -1011,7 +1019,7 @@
           <a:p>
             <a:pPr lvl="0"/>
             <a:r>
-              <a:rPr lang="ko-KR" altLang="en-US" smtClean="0"/>
+              <a:rPr lang="ko-KR" altLang="en-US"/>
               <a:t>마스터 텍스트 스타일을 편집합니다</a:t>
             </a:r>
           </a:p>
@@ -1034,7 +1042,7 @@
           <a:p>
             <a:fld id="{FB30EDBD-1C2D-4C1E-B459-B60219FAB484}" type="datetimeFigureOut">
               <a:rPr lang="ko-KR" altLang="en-US" smtClean="0"/>
-              <a:t>2020-10-21</a:t>
+              <a:t>2023-05-05</a:t>
             </a:fld>
             <a:endParaRPr lang="ko-KR" altLang="en-US"/>
           </a:p>
@@ -1123,10 +1131,9 @@
           <a:lstStyle/>
           <a:p>
             <a:r>
-              <a:rPr lang="ko-KR" altLang="en-US" smtClean="0"/>
+              <a:rPr lang="ko-KR" altLang="en-US"/>
               <a:t>마스터 제목 스타일 편집</a:t>
             </a:r>
-            <a:endParaRPr lang="ko-KR" altLang="en-US"/>
           </a:p>
         </p:txBody>
       </p:sp>
@@ -1180,38 +1187,37 @@
           <a:p>
             <a:pPr lvl="0"/>
             <a:r>
-              <a:rPr lang="ko-KR" altLang="en-US" smtClean="0"/>
+              <a:rPr lang="ko-KR" altLang="en-US"/>
               <a:t>마스터 텍스트 스타일을 편집합니다</a:t>
             </a:r>
           </a:p>
           <a:p>
             <a:pPr lvl="1"/>
             <a:r>
-              <a:rPr lang="ko-KR" altLang="en-US" smtClean="0"/>
+              <a:rPr lang="ko-KR" altLang="en-US"/>
               <a:t>둘째 수준</a:t>
             </a:r>
           </a:p>
           <a:p>
             <a:pPr lvl="2"/>
             <a:r>
-              <a:rPr lang="ko-KR" altLang="en-US" smtClean="0"/>
+              <a:rPr lang="ko-KR" altLang="en-US"/>
               <a:t>셋째 수준</a:t>
             </a:r>
           </a:p>
           <a:p>
             <a:pPr lvl="3"/>
             <a:r>
-              <a:rPr lang="ko-KR" altLang="en-US" smtClean="0"/>
+              <a:rPr lang="ko-KR" altLang="en-US"/>
               <a:t>넷째 수준</a:t>
             </a:r>
           </a:p>
           <a:p>
             <a:pPr lvl="4"/>
             <a:r>
-              <a:rPr lang="ko-KR" altLang="en-US" smtClean="0"/>
+              <a:rPr lang="ko-KR" altLang="en-US"/>
               <a:t>다섯째 수준</a:t>
             </a:r>
-            <a:endParaRPr lang="ko-KR" altLang="en-US"/>
           </a:p>
         </p:txBody>
       </p:sp>
@@ -1265,38 +1271,37 @@
           <a:p>
             <a:pPr lvl="0"/>
             <a:r>
-              <a:rPr lang="ko-KR" altLang="en-US" smtClean="0"/>
+              <a:rPr lang="ko-KR" altLang="en-US"/>
               <a:t>마스터 텍스트 스타일을 편집합니다</a:t>
             </a:r>
           </a:p>
           <a:p>
             <a:pPr lvl="1"/>
             <a:r>
-              <a:rPr lang="ko-KR" altLang="en-US" smtClean="0"/>
+              <a:rPr lang="ko-KR" altLang="en-US"/>
               <a:t>둘째 수준</a:t>
             </a:r>
           </a:p>
           <a:p>
             <a:pPr lvl="2"/>
             <a:r>
-              <a:rPr lang="ko-KR" altLang="en-US" smtClean="0"/>
+              <a:rPr lang="ko-KR" altLang="en-US"/>
               <a:t>셋째 수준</a:t>
             </a:r>
           </a:p>
           <a:p>
             <a:pPr lvl="3"/>
             <a:r>
-              <a:rPr lang="ko-KR" altLang="en-US" smtClean="0"/>
+              <a:rPr lang="ko-KR" altLang="en-US"/>
               <a:t>넷째 수준</a:t>
             </a:r>
           </a:p>
           <a:p>
             <a:pPr lvl="4"/>
             <a:r>
-              <a:rPr lang="ko-KR" altLang="en-US" smtClean="0"/>
+              <a:rPr lang="ko-KR" altLang="en-US"/>
               <a:t>다섯째 수준</a:t>
             </a:r>
-            <a:endParaRPr lang="ko-KR" altLang="en-US"/>
           </a:p>
         </p:txBody>
       </p:sp>
@@ -1317,7 +1322,7 @@
           <a:p>
             <a:fld id="{FB30EDBD-1C2D-4C1E-B459-B60219FAB484}" type="datetimeFigureOut">
               <a:rPr lang="ko-KR" altLang="en-US" smtClean="0"/>
-              <a:t>2020-10-21</a:t>
+              <a:t>2023-05-05</a:t>
             </a:fld>
             <a:endParaRPr lang="ko-KR" altLang="en-US"/>
           </a:p>
@@ -1410,10 +1415,9 @@
           </a:lstStyle>
           <a:p>
             <a:r>
-              <a:rPr lang="ko-KR" altLang="en-US" smtClean="0"/>
+              <a:rPr lang="ko-KR" altLang="en-US"/>
               <a:t>마스터 제목 스타일 편집</a:t>
             </a:r>
-            <a:endParaRPr lang="ko-KR" altLang="en-US"/>
           </a:p>
         </p:txBody>
       </p:sp>
@@ -1476,7 +1480,7 @@
           <a:p>
             <a:pPr lvl="0"/>
             <a:r>
-              <a:rPr lang="ko-KR" altLang="en-US" smtClean="0"/>
+              <a:rPr lang="ko-KR" altLang="en-US"/>
               <a:t>마스터 텍스트 스타일을 편집합니다</a:t>
             </a:r>
           </a:p>
@@ -1532,38 +1536,37 @@
           <a:p>
             <a:pPr lvl="0"/>
             <a:r>
-              <a:rPr lang="ko-KR" altLang="en-US" smtClean="0"/>
+              <a:rPr lang="ko-KR" altLang="en-US"/>
               <a:t>마스터 텍스트 스타일을 편집합니다</a:t>
             </a:r>
           </a:p>
           <a:p>
             <a:pPr lvl="1"/>
             <a:r>
-              <a:rPr lang="ko-KR" altLang="en-US" smtClean="0"/>
+              <a:rPr lang="ko-KR" altLang="en-US"/>
               <a:t>둘째 수준</a:t>
             </a:r>
           </a:p>
           <a:p>
             <a:pPr lvl="2"/>
             <a:r>
-              <a:rPr lang="ko-KR" altLang="en-US" smtClean="0"/>
+              <a:rPr lang="ko-KR" altLang="en-US"/>
               <a:t>셋째 수준</a:t>
             </a:r>
           </a:p>
           <a:p>
             <a:pPr lvl="3"/>
             <a:r>
-              <a:rPr lang="ko-KR" altLang="en-US" smtClean="0"/>
+              <a:rPr lang="ko-KR" altLang="en-US"/>
               <a:t>넷째 수준</a:t>
             </a:r>
           </a:p>
           <a:p>
             <a:pPr lvl="4"/>
             <a:r>
-              <a:rPr lang="ko-KR" altLang="en-US" smtClean="0"/>
+              <a:rPr lang="ko-KR" altLang="en-US"/>
               <a:t>다섯째 수준</a:t>
             </a:r>
-            <a:endParaRPr lang="ko-KR" altLang="en-US"/>
           </a:p>
         </p:txBody>
       </p:sp>
@@ -1626,7 +1629,7 @@
           <a:p>
             <a:pPr lvl="0"/>
             <a:r>
-              <a:rPr lang="ko-KR" altLang="en-US" smtClean="0"/>
+              <a:rPr lang="ko-KR" altLang="en-US"/>
               <a:t>마스터 텍스트 스타일을 편집합니다</a:t>
             </a:r>
           </a:p>
@@ -1682,38 +1685,37 @@
           <a:p>
             <a:pPr lvl="0"/>
             <a:r>
-              <a:rPr lang="ko-KR" altLang="en-US" smtClean="0"/>
+              <a:rPr lang="ko-KR" altLang="en-US"/>
               <a:t>마스터 텍스트 스타일을 편집합니다</a:t>
             </a:r>
           </a:p>
           <a:p>
             <a:pPr lvl="1"/>
             <a:r>
-              <a:rPr lang="ko-KR" altLang="en-US" smtClean="0"/>
+              <a:rPr lang="ko-KR" altLang="en-US"/>
               <a:t>둘째 수준</a:t>
             </a:r>
           </a:p>
           <a:p>
             <a:pPr lvl="2"/>
             <a:r>
-              <a:rPr lang="ko-KR" altLang="en-US" smtClean="0"/>
+              <a:rPr lang="ko-KR" altLang="en-US"/>
               <a:t>셋째 수준</a:t>
             </a:r>
           </a:p>
           <a:p>
             <a:pPr lvl="3"/>
             <a:r>
-              <a:rPr lang="ko-KR" altLang="en-US" smtClean="0"/>
+              <a:rPr lang="ko-KR" altLang="en-US"/>
               <a:t>넷째 수준</a:t>
             </a:r>
           </a:p>
           <a:p>
             <a:pPr lvl="4"/>
             <a:r>
-              <a:rPr lang="ko-KR" altLang="en-US" smtClean="0"/>
+              <a:rPr lang="ko-KR" altLang="en-US"/>
               <a:t>다섯째 수준</a:t>
             </a:r>
-            <a:endParaRPr lang="ko-KR" altLang="en-US"/>
           </a:p>
         </p:txBody>
       </p:sp>
@@ -1734,7 +1736,7 @@
           <a:p>
             <a:fld id="{FB30EDBD-1C2D-4C1E-B459-B60219FAB484}" type="datetimeFigureOut">
               <a:rPr lang="ko-KR" altLang="en-US" smtClean="0"/>
-              <a:t>2020-10-21</a:t>
+              <a:t>2023-05-05</a:t>
             </a:fld>
             <a:endParaRPr lang="ko-KR" altLang="en-US"/>
           </a:p>
@@ -1823,10 +1825,9 @@
           <a:lstStyle/>
           <a:p>
             <a:r>
-              <a:rPr lang="ko-KR" altLang="en-US" smtClean="0"/>
+              <a:rPr lang="ko-KR" altLang="en-US"/>
               <a:t>마스터 제목 스타일 편집</a:t>
             </a:r>
-            <a:endParaRPr lang="ko-KR" altLang="en-US"/>
           </a:p>
         </p:txBody>
       </p:sp>
@@ -1847,7 +1848,7 @@
           <a:p>
             <a:fld id="{FB30EDBD-1C2D-4C1E-B459-B60219FAB484}" type="datetimeFigureOut">
               <a:rPr lang="ko-KR" altLang="en-US" smtClean="0"/>
-              <a:t>2020-10-21</a:t>
+              <a:t>2023-05-05</a:t>
             </a:fld>
             <a:endParaRPr lang="ko-KR" altLang="en-US"/>
           </a:p>
@@ -1937,7 +1938,7 @@
           <a:p>
             <a:fld id="{FB30EDBD-1C2D-4C1E-B459-B60219FAB484}" type="datetimeFigureOut">
               <a:rPr lang="ko-KR" altLang="en-US" smtClean="0"/>
-              <a:t>2020-10-21</a:t>
+              <a:t>2023-05-05</a:t>
             </a:fld>
             <a:endParaRPr lang="ko-KR" altLang="en-US"/>
           </a:p>
@@ -2035,10 +2036,9 @@
           </a:lstStyle>
           <a:p>
             <a:r>
-              <a:rPr lang="ko-KR" altLang="en-US" smtClean="0"/>
+              <a:rPr lang="ko-KR" altLang="en-US"/>
               <a:t>마스터 제목 스타일 편집</a:t>
             </a:r>
-            <a:endParaRPr lang="ko-KR" altLang="en-US"/>
           </a:p>
         </p:txBody>
       </p:sp>
@@ -2092,38 +2092,37 @@
           <a:p>
             <a:pPr lvl="0"/>
             <a:r>
-              <a:rPr lang="ko-KR" altLang="en-US" smtClean="0"/>
+              <a:rPr lang="ko-KR" altLang="en-US"/>
               <a:t>마스터 텍스트 스타일을 편집합니다</a:t>
             </a:r>
           </a:p>
           <a:p>
             <a:pPr lvl="1"/>
             <a:r>
-              <a:rPr lang="ko-KR" altLang="en-US" smtClean="0"/>
+              <a:rPr lang="ko-KR" altLang="en-US"/>
               <a:t>둘째 수준</a:t>
             </a:r>
           </a:p>
           <a:p>
             <a:pPr lvl="2"/>
             <a:r>
-              <a:rPr lang="ko-KR" altLang="en-US" smtClean="0"/>
+              <a:rPr lang="ko-KR" altLang="en-US"/>
               <a:t>셋째 수준</a:t>
             </a:r>
           </a:p>
           <a:p>
             <a:pPr lvl="3"/>
             <a:r>
-              <a:rPr lang="ko-KR" altLang="en-US" smtClean="0"/>
+              <a:rPr lang="ko-KR" altLang="en-US"/>
               <a:t>넷째 수준</a:t>
             </a:r>
           </a:p>
           <a:p>
             <a:pPr lvl="4"/>
             <a:r>
-              <a:rPr lang="ko-KR" altLang="en-US" smtClean="0"/>
+              <a:rPr lang="ko-KR" altLang="en-US"/>
               <a:t>다섯째 수준</a:t>
             </a:r>
-            <a:endParaRPr lang="ko-KR" altLang="en-US"/>
           </a:p>
         </p:txBody>
       </p:sp>
@@ -2186,7 +2185,7 @@
           <a:p>
             <a:pPr lvl="0"/>
             <a:r>
-              <a:rPr lang="ko-KR" altLang="en-US" smtClean="0"/>
+              <a:rPr lang="ko-KR" altLang="en-US"/>
               <a:t>마스터 텍스트 스타일을 편집합니다</a:t>
             </a:r>
           </a:p>
@@ -2209,7 +2208,7 @@
           <a:p>
             <a:fld id="{FB30EDBD-1C2D-4C1E-B459-B60219FAB484}" type="datetimeFigureOut">
               <a:rPr lang="ko-KR" altLang="en-US" smtClean="0"/>
-              <a:t>2020-10-21</a:t>
+              <a:t>2023-05-05</a:t>
             </a:fld>
             <a:endParaRPr lang="ko-KR" altLang="en-US"/>
           </a:p>
@@ -2307,10 +2306,9 @@
           </a:lstStyle>
           <a:p>
             <a:r>
-              <a:rPr lang="ko-KR" altLang="en-US" smtClean="0"/>
+              <a:rPr lang="ko-KR" altLang="en-US"/>
               <a:t>마스터 제목 스타일 편집</a:t>
             </a:r>
-            <a:endParaRPr lang="ko-KR" altLang="en-US"/>
           </a:p>
         </p:txBody>
       </p:sp>
@@ -2434,7 +2432,7 @@
           <a:p>
             <a:pPr lvl="0"/>
             <a:r>
-              <a:rPr lang="ko-KR" altLang="en-US" smtClean="0"/>
+              <a:rPr lang="ko-KR" altLang="en-US"/>
               <a:t>마스터 텍스트 스타일을 편집합니다</a:t>
             </a:r>
           </a:p>
@@ -2457,7 +2455,7 @@
           <a:p>
             <a:fld id="{FB30EDBD-1C2D-4C1E-B459-B60219FAB484}" type="datetimeFigureOut">
               <a:rPr lang="ko-KR" altLang="en-US" smtClean="0"/>
-              <a:t>2020-10-21</a:t>
+              <a:t>2023-05-05</a:t>
             </a:fld>
             <a:endParaRPr lang="ko-KR" altLang="en-US"/>
           </a:p>
@@ -2561,10 +2559,9 @@
           <a:lstStyle/>
           <a:p>
             <a:r>
-              <a:rPr lang="ko-KR" altLang="en-US" smtClean="0"/>
+              <a:rPr lang="ko-KR" altLang="en-US"/>
               <a:t>마스터 제목 스타일 편집</a:t>
             </a:r>
-            <a:endParaRPr lang="ko-KR" altLang="en-US"/>
           </a:p>
         </p:txBody>
       </p:sp>
@@ -2595,38 +2592,37 @@
           <a:p>
             <a:pPr lvl="0"/>
             <a:r>
-              <a:rPr lang="ko-KR" altLang="en-US" smtClean="0"/>
+              <a:rPr lang="ko-KR" altLang="en-US"/>
               <a:t>마스터 텍스트 스타일을 편집합니다</a:t>
             </a:r>
           </a:p>
           <a:p>
             <a:pPr lvl="1"/>
             <a:r>
-              <a:rPr lang="ko-KR" altLang="en-US" smtClean="0"/>
+              <a:rPr lang="ko-KR" altLang="en-US"/>
               <a:t>둘째 수준</a:t>
             </a:r>
           </a:p>
           <a:p>
             <a:pPr lvl="2"/>
             <a:r>
-              <a:rPr lang="ko-KR" altLang="en-US" smtClean="0"/>
+              <a:rPr lang="ko-KR" altLang="en-US"/>
               <a:t>셋째 수준</a:t>
             </a:r>
           </a:p>
           <a:p>
             <a:pPr lvl="3"/>
             <a:r>
-              <a:rPr lang="ko-KR" altLang="en-US" smtClean="0"/>
+              <a:rPr lang="ko-KR" altLang="en-US"/>
               <a:t>넷째 수준</a:t>
             </a:r>
           </a:p>
           <a:p>
             <a:pPr lvl="4"/>
             <a:r>
-              <a:rPr lang="ko-KR" altLang="en-US" smtClean="0"/>
+              <a:rPr lang="ko-KR" altLang="en-US"/>
               <a:t>다섯째 수준</a:t>
             </a:r>
-            <a:endParaRPr lang="ko-KR" altLang="en-US"/>
           </a:p>
         </p:txBody>
       </p:sp>
@@ -2665,7 +2661,7 @@
           <a:p>
             <a:fld id="{FB30EDBD-1C2D-4C1E-B459-B60219FAB484}" type="datetimeFigureOut">
               <a:rPr lang="ko-KR" altLang="en-US" smtClean="0"/>
-              <a:t>2020-10-21</a:t>
+              <a:t>2023-05-05</a:t>
             </a:fld>
             <a:endParaRPr lang="ko-KR" altLang="en-US"/>
           </a:p>
@@ -3168,7 +3164,7 @@
             <a:lstStyle/>
             <a:p>
               <a:r>
-                <a:rPr lang="ko-KR" altLang="en-US" smtClean="0"/>
+                <a:rPr lang="ko-KR" altLang="en-US"/>
                 <a:t>입력 데이터</a:t>
               </a:r>
               <a:endParaRPr lang="ko-KR" altLang="en-US" dirty="0"/>
@@ -3269,18 +3265,17 @@
             <a:lstStyle/>
             <a:p>
               <a:r>
-                <a:rPr lang="ko-KR" altLang="en-US" dirty="0" smtClean="0"/>
+                <a:rPr lang="ko-KR" altLang="en-US" dirty="0"/>
                 <a:t>출력 </a:t>
               </a:r>
               <a:r>
-                <a:rPr lang="en-US" altLang="ko-KR" dirty="0" smtClean="0"/>
+                <a:rPr lang="en-US" altLang="ko-KR" dirty="0"/>
                 <a:t>= </a:t>
               </a:r>
               <a:r>
-                <a:rPr lang="ko-KR" altLang="en-US" dirty="0" smtClean="0"/>
+                <a:rPr lang="ko-KR" altLang="en-US" dirty="0"/>
                 <a:t>입력 데이터</a:t>
               </a:r>
-              <a:endParaRPr lang="ko-KR" altLang="en-US" dirty="0"/>
             </a:p>
           </p:txBody>
         </p:sp>
@@ -3399,10 +3394,9 @@
             <a:lstStyle/>
             <a:p>
               <a:r>
-                <a:rPr lang="ko-KR" altLang="en-US" dirty="0" smtClean="0"/>
+                <a:rPr lang="ko-KR" altLang="en-US" dirty="0"/>
                 <a:t>압축</a:t>
               </a:r>
-              <a:endParaRPr lang="ko-KR" altLang="en-US" dirty="0"/>
             </a:p>
           </p:txBody>
         </p:sp>
@@ -3429,7 +3423,7 @@
             <a:lstStyle/>
             <a:p>
               <a:r>
-                <a:rPr lang="ko-KR" altLang="en-US" smtClean="0"/>
+                <a:rPr lang="ko-KR" altLang="en-US"/>
                 <a:t>압축해제</a:t>
               </a:r>
               <a:endParaRPr lang="ko-KR" altLang="en-US" dirty="0"/>
@@ -3459,11 +3453,11 @@
             <a:lstStyle/>
             <a:p>
               <a:r>
-                <a:rPr lang="ko-KR" altLang="en-US" dirty="0" smtClean="0"/>
+                <a:rPr lang="ko-KR" altLang="en-US" dirty="0"/>
                 <a:t>표현 벡터</a:t>
               </a:r>
               <a:r>
-                <a:rPr lang="en-US" altLang="ko-KR" dirty="0" smtClean="0"/>
+                <a:rPr lang="en-US" altLang="ko-KR" dirty="0"/>
                 <a:t>(representation vector)</a:t>
               </a:r>
               <a:endParaRPr lang="ko-KR" altLang="en-US" dirty="0"/>
@@ -3494,10 +3488,9 @@
           <a:p>
             <a:pPr algn="ctr"/>
             <a:r>
-              <a:rPr lang="ko-KR" altLang="en-US" sz="3600" b="1" dirty="0" smtClean="0"/>
+              <a:rPr lang="ko-KR" altLang="en-US" sz="3600" b="1" dirty="0"/>
               <a:t>디코더</a:t>
             </a:r>
-            <a:endParaRPr lang="ko-KR" altLang="en-US" sz="3600" b="1" dirty="0"/>
           </a:p>
         </p:txBody>
       </p:sp>
@@ -3525,13 +3518,8 @@
             <a:pPr algn="ctr"/>
             <a:r>
               <a:rPr lang="ko-KR" altLang="en-US" sz="3600" b="1" dirty="0"/>
-              <a:t>인</a:t>
-            </a:r>
-            <a:r>
-              <a:rPr lang="ko-KR" altLang="en-US" sz="3600" b="1" dirty="0" smtClean="0"/>
-              <a:t>코더</a:t>
-            </a:r>
-            <a:endParaRPr lang="ko-KR" altLang="en-US" sz="3600" b="1" dirty="0"/>
+              <a:t>인코더</a:t>
+            </a:r>
           </a:p>
         </p:txBody>
       </p:sp>
@@ -3545,13 +3533,528 @@
   <p:clrMapOvr>
     <a:masterClrMapping/>
   </p:clrMapOvr>
-  <p:timing>
-    <p:tnLst>
-      <p:par>
-        <p:cTn id="1" dur="indefinite" restart="never" nodeType="tmRoot"/>
-      </p:par>
-    </p:tnLst>
-  </p:timing>
+</p:sld>
+</file>
+
+<file path=ppt/slides/slide2.xml><?xml version="1.0" encoding="utf-8"?>
+<p:sld xmlns:a="http://schemas.openxmlformats.org/drawingml/2006/main" xmlns:r="http://schemas.openxmlformats.org/officeDocument/2006/relationships" xmlns:p="http://schemas.openxmlformats.org/presentationml/2006/main">
+  <p:cSld>
+    <p:spTree>
+      <p:nvGrpSpPr>
+        <p:cNvPr id="1" name=""/>
+        <p:cNvGrpSpPr/>
+        <p:nvPr/>
+      </p:nvGrpSpPr>
+      <p:grpSpPr>
+        <a:xfrm>
+          <a:off x="0" y="0"/>
+          <a:ext cx="0" cy="0"/>
+          <a:chOff x="0" y="0"/>
+          <a:chExt cx="0" cy="0"/>
+        </a:xfrm>
+      </p:grpSpPr>
+      <p:grpSp>
+        <p:nvGrpSpPr>
+          <p:cNvPr id="22" name="그룹 21"/>
+          <p:cNvGrpSpPr/>
+          <p:nvPr/>
+        </p:nvGrpSpPr>
+        <p:grpSpPr>
+          <a:xfrm>
+            <a:off x="1385831" y="241392"/>
+            <a:ext cx="6372338" cy="6364580"/>
+            <a:chOff x="215886" y="138698"/>
+            <a:chExt cx="6372338" cy="6364580"/>
+          </a:xfrm>
+        </p:grpSpPr>
+        <p:sp>
+          <p:nvSpPr>
+            <p:cNvPr id="4" name="사다리꼴 3"/>
+            <p:cNvSpPr/>
+            <p:nvPr/>
+          </p:nvSpPr>
+          <p:spPr>
+            <a:xfrm>
+              <a:off x="2555776" y="3573016"/>
+              <a:ext cx="4032448" cy="2016224"/>
+            </a:xfrm>
+            <a:prstGeom prst="trapezoid">
+              <a:avLst>
+                <a:gd name="adj" fmla="val 48104"/>
+              </a:avLst>
+            </a:prstGeom>
+            <a:solidFill>
+              <a:schemeClr val="tx2">
+                <a:lumMod val="40000"/>
+                <a:lumOff val="60000"/>
+              </a:schemeClr>
+            </a:solidFill>
+          </p:spPr>
+          <p:style>
+            <a:lnRef idx="2">
+              <a:schemeClr val="accent1">
+                <a:shade val="50000"/>
+              </a:schemeClr>
+            </a:lnRef>
+            <a:fillRef idx="1">
+              <a:schemeClr val="accent1"/>
+            </a:fillRef>
+            <a:effectRef idx="0">
+              <a:schemeClr val="accent1"/>
+            </a:effectRef>
+            <a:fontRef idx="minor">
+              <a:schemeClr val="lt1"/>
+            </a:fontRef>
+          </p:style>
+          <p:txBody>
+            <a:bodyPr rtlCol="0" anchor="ctr"/>
+            <a:lstStyle/>
+            <a:p>
+              <a:pPr algn="ctr"/>
+              <a:endParaRPr lang="ko-KR" altLang="en-US" sz="3600" b="1" dirty="0"/>
+            </a:p>
+          </p:txBody>
+        </p:sp>
+        <p:sp>
+          <p:nvSpPr>
+            <p:cNvPr id="9" name="사다리꼴 8"/>
+            <p:cNvSpPr/>
+            <p:nvPr/>
+          </p:nvSpPr>
+          <p:spPr>
+            <a:xfrm flipV="1">
+              <a:off x="2555776" y="1052736"/>
+              <a:ext cx="4032448" cy="2016224"/>
+            </a:xfrm>
+            <a:prstGeom prst="trapezoid">
+              <a:avLst>
+                <a:gd name="adj" fmla="val 48104"/>
+              </a:avLst>
+            </a:prstGeom>
+            <a:solidFill>
+              <a:schemeClr val="accent6">
+                <a:lumMod val="40000"/>
+                <a:lumOff val="60000"/>
+              </a:schemeClr>
+            </a:solidFill>
+          </p:spPr>
+          <p:style>
+            <a:lnRef idx="2">
+              <a:schemeClr val="accent1">
+                <a:shade val="50000"/>
+              </a:schemeClr>
+            </a:lnRef>
+            <a:fillRef idx="1">
+              <a:schemeClr val="accent1"/>
+            </a:fillRef>
+            <a:effectRef idx="0">
+              <a:schemeClr val="accent1"/>
+            </a:effectRef>
+            <a:fontRef idx="minor">
+              <a:schemeClr val="lt1"/>
+            </a:fontRef>
+          </p:style>
+          <p:txBody>
+            <a:bodyPr rtlCol="0" anchor="ctr"/>
+            <a:lstStyle/>
+            <a:p>
+              <a:pPr algn="ctr"/>
+              <a:endParaRPr lang="ko-KR" altLang="en-US" dirty="0"/>
+            </a:p>
+          </p:txBody>
+        </p:sp>
+        <p:sp>
+          <p:nvSpPr>
+            <p:cNvPr id="10" name="TextBox 9"/>
+            <p:cNvSpPr txBox="1"/>
+            <p:nvPr/>
+          </p:nvSpPr>
+          <p:spPr>
+            <a:xfrm>
+              <a:off x="3917569" y="6133946"/>
+              <a:ext cx="1298753" cy="369332"/>
+            </a:xfrm>
+            <a:prstGeom prst="rect">
+              <a:avLst/>
+            </a:prstGeom>
+            <a:noFill/>
+          </p:spPr>
+          <p:txBody>
+            <a:bodyPr wrap="none" rtlCol="0">
+              <a:spAutoFit/>
+            </a:bodyPr>
+            <a:lstStyle/>
+            <a:p>
+              <a:r>
+                <a:rPr lang="en-US" altLang="ko-KR" dirty="0"/>
+                <a:t>Input Data</a:t>
+              </a:r>
+              <a:endParaRPr lang="ko-KR" altLang="en-US" dirty="0"/>
+            </a:p>
+          </p:txBody>
+        </p:sp>
+        <p:cxnSp>
+          <p:nvCxnSpPr>
+            <p:cNvPr id="13" name="직선 화살표 연결선 12"/>
+            <p:cNvCxnSpPr>
+              <a:endCxn id="4" idx="2"/>
+            </p:cNvCxnSpPr>
+            <p:nvPr/>
+          </p:nvCxnSpPr>
+          <p:spPr>
+            <a:xfrm flipV="1">
+              <a:off x="4572000" y="5589240"/>
+              <a:ext cx="0" cy="544706"/>
+            </a:xfrm>
+            <a:prstGeom prst="straightConnector1">
+              <a:avLst/>
+            </a:prstGeom>
+            <a:ln w="57150">
+              <a:tailEnd type="arrow"/>
+            </a:ln>
+          </p:spPr>
+          <p:style>
+            <a:lnRef idx="1">
+              <a:schemeClr val="accent1"/>
+            </a:lnRef>
+            <a:fillRef idx="0">
+              <a:schemeClr val="accent1"/>
+            </a:fillRef>
+            <a:effectRef idx="0">
+              <a:schemeClr val="accent1"/>
+            </a:effectRef>
+            <a:fontRef idx="minor">
+              <a:schemeClr val="tx1"/>
+            </a:fontRef>
+          </p:style>
+        </p:cxnSp>
+        <p:cxnSp>
+          <p:nvCxnSpPr>
+            <p:cNvPr id="15" name="직선 화살표 연결선 14"/>
+            <p:cNvCxnSpPr/>
+            <p:nvPr/>
+          </p:nvCxnSpPr>
+          <p:spPr>
+            <a:xfrm flipV="1">
+              <a:off x="4572000" y="508030"/>
+              <a:ext cx="0" cy="544706"/>
+            </a:xfrm>
+            <a:prstGeom prst="straightConnector1">
+              <a:avLst/>
+            </a:prstGeom>
+            <a:ln w="57150">
+              <a:solidFill>
+                <a:schemeClr val="accent2"/>
+              </a:solidFill>
+              <a:tailEnd type="arrow"/>
+            </a:ln>
+          </p:spPr>
+          <p:style>
+            <a:lnRef idx="1">
+              <a:schemeClr val="accent1"/>
+            </a:lnRef>
+            <a:fillRef idx="0">
+              <a:schemeClr val="accent1"/>
+            </a:fillRef>
+            <a:effectRef idx="0">
+              <a:schemeClr val="accent1"/>
+            </a:effectRef>
+            <a:fontRef idx="minor">
+              <a:schemeClr val="tx1"/>
+            </a:fontRef>
+          </p:style>
+        </p:cxnSp>
+        <p:sp>
+          <p:nvSpPr>
+            <p:cNvPr id="16" name="TextBox 15"/>
+            <p:cNvSpPr txBox="1"/>
+            <p:nvPr/>
+          </p:nvSpPr>
+          <p:spPr>
+            <a:xfrm>
+              <a:off x="3389130" y="138698"/>
+              <a:ext cx="2366353" cy="369332"/>
+            </a:xfrm>
+            <a:prstGeom prst="rect">
+              <a:avLst/>
+            </a:prstGeom>
+            <a:noFill/>
+          </p:spPr>
+          <p:txBody>
+            <a:bodyPr wrap="none" rtlCol="0">
+              <a:spAutoFit/>
+            </a:bodyPr>
+            <a:lstStyle/>
+            <a:p>
+              <a:r>
+                <a:rPr lang="en-US" altLang="ko-KR" dirty="0"/>
+                <a:t>Output</a:t>
+              </a:r>
+              <a:r>
+                <a:rPr lang="ko-KR" altLang="en-US" dirty="0"/>
+                <a:t> </a:t>
+              </a:r>
+              <a:r>
+                <a:rPr lang="en-US" altLang="ko-KR" dirty="0"/>
+                <a:t>= Input Data</a:t>
+              </a:r>
+              <a:endParaRPr lang="ko-KR" altLang="en-US" dirty="0"/>
+            </a:p>
+          </p:txBody>
+        </p:sp>
+        <p:sp>
+          <p:nvSpPr>
+            <p:cNvPr id="17" name="오른쪽 화살표 16"/>
+            <p:cNvSpPr/>
+            <p:nvPr/>
+          </p:nvSpPr>
+          <p:spPr>
+            <a:xfrm rot="16200000">
+              <a:off x="1665388" y="4179944"/>
+              <a:ext cx="978408" cy="484632"/>
+            </a:xfrm>
+            <a:prstGeom prst="rightArrow">
+              <a:avLst/>
+            </a:prstGeom>
+            <a:solidFill>
+              <a:schemeClr val="accent5">
+                <a:lumMod val="60000"/>
+                <a:lumOff val="40000"/>
+              </a:schemeClr>
+            </a:solidFill>
+          </p:spPr>
+          <p:style>
+            <a:lnRef idx="2">
+              <a:schemeClr val="accent1">
+                <a:shade val="50000"/>
+              </a:schemeClr>
+            </a:lnRef>
+            <a:fillRef idx="1">
+              <a:schemeClr val="accent1"/>
+            </a:fillRef>
+            <a:effectRef idx="0">
+              <a:schemeClr val="accent1"/>
+            </a:effectRef>
+            <a:fontRef idx="minor">
+              <a:schemeClr val="lt1"/>
+            </a:fontRef>
+          </p:style>
+          <p:txBody>
+            <a:bodyPr rtlCol="0" anchor="ctr"/>
+            <a:lstStyle/>
+            <a:p>
+              <a:pPr algn="ctr"/>
+              <a:endParaRPr lang="ko-KR" altLang="en-US"/>
+            </a:p>
+          </p:txBody>
+        </p:sp>
+        <p:sp>
+          <p:nvSpPr>
+            <p:cNvPr id="18" name="오른쪽 화살표 17"/>
+            <p:cNvSpPr/>
+            <p:nvPr/>
+          </p:nvSpPr>
+          <p:spPr>
+            <a:xfrm rot="16200000">
+              <a:off x="1665388" y="1947696"/>
+              <a:ext cx="978408" cy="484632"/>
+            </a:xfrm>
+            <a:prstGeom prst="rightArrow">
+              <a:avLst/>
+            </a:prstGeom>
+            <a:solidFill>
+              <a:schemeClr val="accent2">
+                <a:lumMod val="40000"/>
+                <a:lumOff val="60000"/>
+              </a:schemeClr>
+            </a:solidFill>
+          </p:spPr>
+          <p:style>
+            <a:lnRef idx="2">
+              <a:schemeClr val="accent1">
+                <a:shade val="50000"/>
+              </a:schemeClr>
+            </a:lnRef>
+            <a:fillRef idx="1">
+              <a:schemeClr val="accent1"/>
+            </a:fillRef>
+            <a:effectRef idx="0">
+              <a:schemeClr val="accent1"/>
+            </a:effectRef>
+            <a:fontRef idx="minor">
+              <a:schemeClr val="lt1"/>
+            </a:fontRef>
+          </p:style>
+          <p:txBody>
+            <a:bodyPr rtlCol="0" anchor="ctr"/>
+            <a:lstStyle/>
+            <a:p>
+              <a:pPr algn="ctr"/>
+              <a:endParaRPr lang="ko-KR" altLang="en-US"/>
+            </a:p>
+          </p:txBody>
+        </p:sp>
+        <p:sp>
+          <p:nvSpPr>
+            <p:cNvPr id="19" name="TextBox 18"/>
+            <p:cNvSpPr txBox="1"/>
+            <p:nvPr/>
+          </p:nvSpPr>
+          <p:spPr>
+            <a:xfrm>
+              <a:off x="432945" y="4237594"/>
+              <a:ext cx="1537537" cy="369332"/>
+            </a:xfrm>
+            <a:prstGeom prst="rect">
+              <a:avLst/>
+            </a:prstGeom>
+            <a:noFill/>
+          </p:spPr>
+          <p:txBody>
+            <a:bodyPr wrap="none" rtlCol="0">
+              <a:spAutoFit/>
+            </a:bodyPr>
+            <a:lstStyle/>
+            <a:p>
+              <a:r>
+                <a:rPr lang="en-US" altLang="ko-KR" dirty="0"/>
+                <a:t>Compression</a:t>
+              </a:r>
+              <a:endParaRPr lang="ko-KR" altLang="en-US" dirty="0"/>
+            </a:p>
+          </p:txBody>
+        </p:sp>
+        <p:sp>
+          <p:nvSpPr>
+            <p:cNvPr id="20" name="TextBox 19"/>
+            <p:cNvSpPr txBox="1"/>
+            <p:nvPr/>
+          </p:nvSpPr>
+          <p:spPr>
+            <a:xfrm>
+              <a:off x="215886" y="2060848"/>
+              <a:ext cx="1789208" cy="369332"/>
+            </a:xfrm>
+            <a:prstGeom prst="rect">
+              <a:avLst/>
+            </a:prstGeom>
+            <a:noFill/>
+          </p:spPr>
+          <p:txBody>
+            <a:bodyPr wrap="none" rtlCol="0">
+              <a:spAutoFit/>
+            </a:bodyPr>
+            <a:lstStyle/>
+            <a:p>
+              <a:r>
+                <a:rPr lang="en-US" altLang="ko-KR" dirty="0"/>
+                <a:t>Decompression</a:t>
+              </a:r>
+              <a:endParaRPr lang="ko-KR" altLang="en-US" dirty="0"/>
+            </a:p>
+          </p:txBody>
+        </p:sp>
+        <p:sp>
+          <p:nvSpPr>
+            <p:cNvPr id="21" name="TextBox 20"/>
+            <p:cNvSpPr txBox="1"/>
+            <p:nvPr/>
+          </p:nvSpPr>
+          <p:spPr>
+            <a:xfrm>
+              <a:off x="3396307" y="3140968"/>
+              <a:ext cx="2412520" cy="369332"/>
+            </a:xfrm>
+            <a:prstGeom prst="rect">
+              <a:avLst/>
+            </a:prstGeom>
+            <a:noFill/>
+          </p:spPr>
+          <p:txBody>
+            <a:bodyPr wrap="none" rtlCol="0">
+              <a:spAutoFit/>
+            </a:bodyPr>
+            <a:lstStyle/>
+            <a:p>
+              <a:r>
+                <a:rPr lang="en-US" altLang="ko-KR" dirty="0"/>
+                <a:t>representation vector</a:t>
+              </a:r>
+              <a:endParaRPr lang="ko-KR" altLang="en-US" dirty="0"/>
+            </a:p>
+          </p:txBody>
+        </p:sp>
+      </p:grpSp>
+      <p:sp>
+        <p:nvSpPr>
+          <p:cNvPr id="2" name="직사각형 1"/>
+          <p:cNvSpPr/>
+          <p:nvPr/>
+        </p:nvSpPr>
+        <p:spPr>
+          <a:xfrm>
+            <a:off x="4775299" y="1928223"/>
+            <a:ext cx="2015296" cy="646331"/>
+          </a:xfrm>
+          <a:prstGeom prst="rect">
+            <a:avLst/>
+          </a:prstGeom>
+        </p:spPr>
+        <p:txBody>
+          <a:bodyPr wrap="none">
+            <a:spAutoFit/>
+          </a:bodyPr>
+          <a:lstStyle/>
+          <a:p>
+            <a:pPr algn="ctr"/>
+            <a:r>
+              <a:rPr lang="en-US" altLang="ko-KR" sz="3600" b="1" dirty="0"/>
+              <a:t>Decoder</a:t>
+            </a:r>
+            <a:endParaRPr lang="ko-KR" altLang="en-US" sz="3600" b="1" dirty="0"/>
+          </a:p>
+        </p:txBody>
+      </p:sp>
+      <p:sp>
+        <p:nvSpPr>
+          <p:cNvPr id="23" name="직사각형 22"/>
+          <p:cNvSpPr/>
+          <p:nvPr/>
+        </p:nvSpPr>
+        <p:spPr>
+          <a:xfrm>
+            <a:off x="4809765" y="4283446"/>
+            <a:ext cx="1946367" cy="646331"/>
+          </a:xfrm>
+          <a:prstGeom prst="rect">
+            <a:avLst/>
+          </a:prstGeom>
+        </p:spPr>
+        <p:txBody>
+          <a:bodyPr wrap="none">
+            <a:spAutoFit/>
+          </a:bodyPr>
+          <a:lstStyle/>
+          <a:p>
+            <a:pPr algn="ctr"/>
+            <a:r>
+              <a:rPr lang="en-US" altLang="ko-KR" sz="3600" b="1" dirty="0"/>
+              <a:t>Encoder</a:t>
+            </a:r>
+            <a:endParaRPr lang="ko-KR" altLang="en-US" sz="3600" b="1" dirty="0"/>
+          </a:p>
+        </p:txBody>
+      </p:sp>
+    </p:spTree>
+    <p:extLst>
+      <p:ext uri="{BB962C8B-B14F-4D97-AF65-F5344CB8AC3E}">
+        <p14:creationId xmlns:p14="http://schemas.microsoft.com/office/powerpoint/2010/main" val="3903490372"/>
+      </p:ext>
+    </p:extLst>
+  </p:cSld>
+  <p:clrMapOvr>
+    <a:masterClrMapping/>
+  </p:clrMapOvr>
 </p:sld>
 </file>
 
